--- a/lectures/00-Big-Picture.pptx
+++ b/lectures/00-Big-Picture.pptx
@@ -116,7 +116,18 @@
   </p:defaultTextStyle>
   <p:extLst>
     <p:ext uri="{EFAFB233-063F-42B5-8137-9DF3F51BA10A}">
-      <p15:sldGuideLst xmlns:p15="http://schemas.microsoft.com/office/powerpoint/2012/main" xmlns=""/>
+      <p15:sldGuideLst xmlns:p15="http://schemas.microsoft.com/office/powerpoint/2012/main">
+        <p15:guide id="1" orient="horz" pos="2160">
+          <p15:clr>
+            <a:srgbClr val="A4A3A4"/>
+          </p15:clr>
+        </p15:guide>
+        <p15:guide id="2" pos="3840">
+          <p15:clr>
+            <a:srgbClr val="A4A3A4"/>
+          </p15:clr>
+        </p15:guide>
+      </p15:sldGuideLst>
     </p:ext>
   </p:extLst>
 </p:presentation>
@@ -205,7 +216,7 @@
             <a:fld id="{C97B56FC-7D2E-F343-9D09-0D14B00AA564}" type="datetimeFigureOut">
               <a:rPr lang="en-US" smtClean="0"/>
               <a:pPr/>
-              <a:t>9/11/2019</a:t>
+              <a:t>1/29/21</a:t>
             </a:fld>
             <a:endParaRPr lang="en-US"/>
           </a:p>
@@ -374,7 +385,7 @@
     </p:spTree>
     <p:extLst>
       <p:ext uri="{BB962C8B-B14F-4D97-AF65-F5344CB8AC3E}">
-        <p14:creationId xmlns:p14="http://schemas.microsoft.com/office/powerpoint/2010/main" xmlns="" val="1013047716"/>
+        <p14:creationId xmlns:p14="http://schemas.microsoft.com/office/powerpoint/2010/main" val="1013047716"/>
       </p:ext>
     </p:extLst>
   </p:cSld>
@@ -606,7 +617,7 @@
             <a:fld id="{EEE7C04C-7AF8-1445-A186-502B631B934F}" type="datetimeFigureOut">
               <a:rPr lang="en-US" smtClean="0"/>
               <a:pPr/>
-              <a:t>9/11/2019</a:t>
+              <a:t>1/29/21</a:t>
             </a:fld>
             <a:endParaRPr lang="en-US"/>
           </a:p>
@@ -773,7 +784,7 @@
             <a:fld id="{EEE7C04C-7AF8-1445-A186-502B631B934F}" type="datetimeFigureOut">
               <a:rPr lang="en-US" smtClean="0"/>
               <a:pPr/>
-              <a:t>9/11/2019</a:t>
+              <a:t>1/29/21</a:t>
             </a:fld>
             <a:endParaRPr lang="en-US"/>
           </a:p>
@@ -950,7 +961,7 @@
             <a:fld id="{EEE7C04C-7AF8-1445-A186-502B631B934F}" type="datetimeFigureOut">
               <a:rPr lang="en-US" smtClean="0"/>
               <a:pPr/>
-              <a:t>9/11/2019</a:t>
+              <a:t>1/29/21</a:t>
             </a:fld>
             <a:endParaRPr lang="en-US"/>
           </a:p>
@@ -1117,7 +1128,7 @@
             <a:fld id="{EEE7C04C-7AF8-1445-A186-502B631B934F}" type="datetimeFigureOut">
               <a:rPr lang="en-US" smtClean="0"/>
               <a:pPr/>
-              <a:t>9/11/2019</a:t>
+              <a:t>1/29/21</a:t>
             </a:fld>
             <a:endParaRPr lang="en-US"/>
           </a:p>
@@ -1360,7 +1371,7 @@
             <a:fld id="{EEE7C04C-7AF8-1445-A186-502B631B934F}" type="datetimeFigureOut">
               <a:rPr lang="en-US" smtClean="0"/>
               <a:pPr/>
-              <a:t>9/11/2019</a:t>
+              <a:t>1/29/21</a:t>
             </a:fld>
             <a:endParaRPr lang="en-US"/>
           </a:p>
@@ -1589,7 +1600,7 @@
             <a:fld id="{EEE7C04C-7AF8-1445-A186-502B631B934F}" type="datetimeFigureOut">
               <a:rPr lang="en-US" smtClean="0"/>
               <a:pPr/>
-              <a:t>9/11/2019</a:t>
+              <a:t>1/29/21</a:t>
             </a:fld>
             <a:endParaRPr lang="en-US"/>
           </a:p>
@@ -1953,7 +1964,7 @@
             <a:fld id="{EEE7C04C-7AF8-1445-A186-502B631B934F}" type="datetimeFigureOut">
               <a:rPr lang="en-US" smtClean="0"/>
               <a:pPr/>
-              <a:t>9/11/2019</a:t>
+              <a:t>1/29/21</a:t>
             </a:fld>
             <a:endParaRPr lang="en-US"/>
           </a:p>
@@ -2068,7 +2079,7 @@
             <a:fld id="{EEE7C04C-7AF8-1445-A186-502B631B934F}" type="datetimeFigureOut">
               <a:rPr lang="en-US" smtClean="0"/>
               <a:pPr/>
-              <a:t>9/11/2019</a:t>
+              <a:t>1/29/21</a:t>
             </a:fld>
             <a:endParaRPr lang="en-US"/>
           </a:p>
@@ -2160,7 +2171,7 @@
             <a:fld id="{EEE7C04C-7AF8-1445-A186-502B631B934F}" type="datetimeFigureOut">
               <a:rPr lang="en-US" smtClean="0"/>
               <a:pPr/>
-              <a:t>9/11/2019</a:t>
+              <a:t>1/29/21</a:t>
             </a:fld>
             <a:endParaRPr lang="en-US"/>
           </a:p>
@@ -2434,7 +2445,7 @@
             <a:fld id="{EEE7C04C-7AF8-1445-A186-502B631B934F}" type="datetimeFigureOut">
               <a:rPr lang="en-US" smtClean="0"/>
               <a:pPr/>
-              <a:t>9/11/2019</a:t>
+              <a:t>1/29/21</a:t>
             </a:fld>
             <a:endParaRPr lang="en-US"/>
           </a:p>
@@ -2688,7 +2699,7 @@
             <a:fld id="{EEE7C04C-7AF8-1445-A186-502B631B934F}" type="datetimeFigureOut">
               <a:rPr lang="en-US" smtClean="0"/>
               <a:pPr/>
-              <a:t>9/11/2019</a:t>
+              <a:t>1/29/21</a:t>
             </a:fld>
             <a:endParaRPr lang="en-US"/>
           </a:p>
@@ -2898,7 +2909,7 @@
             <a:fld id="{EEE7C04C-7AF8-1445-A186-502B631B934F}" type="datetimeFigureOut">
               <a:rPr lang="en-US" smtClean="0"/>
               <a:pPr/>
-              <a:t>9/11/2019</a:t>
+              <a:t>1/29/21</a:t>
             </a:fld>
             <a:endParaRPr lang="en-US"/>
           </a:p>
@@ -2986,7 +2997,7 @@
     </p:spTree>
     <p:extLst>
       <p:ext uri="{BB962C8B-B14F-4D97-AF65-F5344CB8AC3E}">
-        <p14:creationId xmlns:p14="http://schemas.microsoft.com/office/powerpoint/2010/main" xmlns="" val="194237252"/>
+        <p14:creationId xmlns:p14="http://schemas.microsoft.com/office/powerpoint/2010/main" val="194237252"/>
       </p:ext>
     </p:extLst>
   </p:cSld>
@@ -3304,36 +3315,6 @@
           <a:chExt cx="0" cy="0"/>
         </a:xfrm>
       </p:grpSpPr>
-      <p:pic>
-        <p:nvPicPr>
-          <p:cNvPr id="42" name="Picture 41"/>
-          <p:cNvPicPr>
-            <a:picLocks noChangeAspect="1"/>
-          </p:cNvPicPr>
-          <p:nvPr/>
-        </p:nvPicPr>
-        <p:blipFill rotWithShape="1">
-          <a:blip r:embed="rId2">
-            <a:alphaModFix/>
-            <a:extLst>
-              <a:ext uri="{28A0092B-C50C-407E-A947-70E740481C1C}">
-                <a14:useLocalDpi xmlns:a14="http://schemas.microsoft.com/office/drawing/2010/main" xmlns="" val="0"/>
-              </a:ext>
-            </a:extLst>
-          </a:blip>
-          <a:srcRect b="2174"/>
-          <a:stretch/>
-        </p:blipFill>
-        <p:spPr>
-          <a:xfrm>
-            <a:off x="20" y="11704"/>
-            <a:ext cx="12191980" cy="6857999"/>
-          </a:xfrm>
-          <a:prstGeom prst="rect">
-            <a:avLst/>
-          </a:prstGeom>
-        </p:spPr>
-      </p:pic>
       <p:sp>
         <p:nvSpPr>
           <p:cNvPr id="5" name="Rectangle 4"/>
@@ -4653,10 +4634,10 @@
           <p:nvPr/>
         </p:nvPicPr>
         <p:blipFill>
-          <a:blip r:embed="rId3">
+          <a:blip r:embed="rId2">
             <a:extLst>
               <a:ext uri="{28A0092B-C50C-407E-A947-70E740481C1C}">
-                <a14:useLocalDpi xmlns:a14="http://schemas.microsoft.com/office/drawing/2010/main" xmlns="" val="0"/>
+                <a14:useLocalDpi xmlns:a14="http://schemas.microsoft.com/office/drawing/2010/main" val="0"/>
               </a:ext>
             </a:extLst>
           </a:blip>
@@ -5205,7 +5186,7 @@
     </p:spTree>
     <p:extLst>
       <p:ext uri="{BB962C8B-B14F-4D97-AF65-F5344CB8AC3E}">
-        <p14:creationId xmlns:p14="http://schemas.microsoft.com/office/powerpoint/2010/main" xmlns="" val="383645051"/>
+        <p14:creationId xmlns:p14="http://schemas.microsoft.com/office/powerpoint/2010/main" val="383645051"/>
       </p:ext>
     </p:extLst>
   </p:cSld>
@@ -5239,36 +5220,6 @@
           <a:chExt cx="0" cy="0"/>
         </a:xfrm>
       </p:grpSpPr>
-      <p:pic>
-        <p:nvPicPr>
-          <p:cNvPr id="2" name="Picture 1"/>
-          <p:cNvPicPr>
-            <a:picLocks noChangeAspect="1"/>
-          </p:cNvPicPr>
-          <p:nvPr/>
-        </p:nvPicPr>
-        <p:blipFill rotWithShape="1">
-          <a:blip r:embed="rId2">
-            <a:alphaModFix/>
-            <a:extLst>
-              <a:ext uri="{28A0092B-C50C-407E-A947-70E740481C1C}">
-                <a14:useLocalDpi xmlns:a14="http://schemas.microsoft.com/office/drawing/2010/main" xmlns="" val="0"/>
-              </a:ext>
-            </a:extLst>
-          </a:blip>
-          <a:srcRect b="2174"/>
-          <a:stretch/>
-        </p:blipFill>
-        <p:spPr>
-          <a:xfrm>
-            <a:off x="20" y="11704"/>
-            <a:ext cx="12191980" cy="6857999"/>
-          </a:xfrm>
-          <a:prstGeom prst="rect">
-            <a:avLst/>
-          </a:prstGeom>
-        </p:spPr>
-      </p:pic>
       <p:sp>
         <p:nvSpPr>
           <p:cNvPr id="15" name="Rectangle 14"/>
@@ -5326,10 +5277,10 @@
           <p:nvPr/>
         </p:nvPicPr>
         <p:blipFill>
-          <a:blip r:embed="rId3">
+          <a:blip r:embed="rId2">
             <a:extLst>
               <a:ext uri="{28A0092B-C50C-407E-A947-70E740481C1C}">
-                <a14:useLocalDpi xmlns:a14="http://schemas.microsoft.com/office/drawing/2010/main" xmlns="" val="0"/>
+                <a14:useLocalDpi xmlns:a14="http://schemas.microsoft.com/office/drawing/2010/main" val="0"/>
               </a:ext>
             </a:extLst>
           </a:blip>
@@ -5886,7 +5837,7 @@
           <p:nvPr/>
         </p:nvPicPr>
         <p:blipFill>
-          <a:blip r:embed="rId4"/>
+          <a:blip r:embed="rId3"/>
           <a:stretch>
             <a:fillRect/>
           </a:stretch>
@@ -5910,7 +5861,7 @@
           <p:nvPr/>
         </p:nvPicPr>
         <p:blipFill>
-          <a:blip r:embed="rId5"/>
+          <a:blip r:embed="rId4"/>
           <a:srcRect/>
           <a:stretch>
             <a:fillRect/>
@@ -5981,7 +5932,7 @@
           <p:nvPr/>
         </p:nvPicPr>
         <p:blipFill>
-          <a:blip r:embed="rId6"/>
+          <a:blip r:embed="rId5"/>
           <a:srcRect/>
           <a:stretch>
             <a:fillRect/>
@@ -6075,36 +6026,6 @@
           <a:chExt cx="0" cy="0"/>
         </a:xfrm>
       </p:grpSpPr>
-      <p:pic>
-        <p:nvPicPr>
-          <p:cNvPr id="2" name="Picture 1"/>
-          <p:cNvPicPr>
-            <a:picLocks noChangeAspect="1"/>
-          </p:cNvPicPr>
-          <p:nvPr/>
-        </p:nvPicPr>
-        <p:blipFill rotWithShape="1">
-          <a:blip r:embed="rId2">
-            <a:alphaModFix/>
-            <a:extLst>
-              <a:ext uri="{28A0092B-C50C-407E-A947-70E740481C1C}">
-                <a14:useLocalDpi xmlns:a14="http://schemas.microsoft.com/office/drawing/2010/main" xmlns="" val="0"/>
-              </a:ext>
-            </a:extLst>
-          </a:blip>
-          <a:srcRect b="2174"/>
-          <a:stretch/>
-        </p:blipFill>
-        <p:spPr>
-          <a:xfrm>
-            <a:off x="14210" y="11704"/>
-            <a:ext cx="12191980" cy="6857999"/>
-          </a:xfrm>
-          <a:prstGeom prst="rect">
-            <a:avLst/>
-          </a:prstGeom>
-        </p:spPr>
-      </p:pic>
       <p:sp>
         <p:nvSpPr>
           <p:cNvPr id="15" name="Rectangle 14"/>
@@ -6162,10 +6083,10 @@
           <p:nvPr/>
         </p:nvPicPr>
         <p:blipFill>
-          <a:blip r:embed="rId3">
+          <a:blip r:embed="rId2">
             <a:extLst>
               <a:ext uri="{28A0092B-C50C-407E-A947-70E740481C1C}">
-                <a14:useLocalDpi xmlns:a14="http://schemas.microsoft.com/office/drawing/2010/main" xmlns="" val="0"/>
+                <a14:useLocalDpi xmlns:a14="http://schemas.microsoft.com/office/drawing/2010/main" val="0"/>
               </a:ext>
             </a:extLst>
           </a:blip>
@@ -6722,7 +6643,7 @@
           <p:nvPr/>
         </p:nvPicPr>
         <p:blipFill>
-          <a:blip r:embed="rId4"/>
+          <a:blip r:embed="rId3"/>
           <a:stretch>
             <a:fillRect/>
           </a:stretch>
@@ -6740,6 +6661,40 @@
       <p:pic>
         <p:nvPicPr>
           <p:cNvPr id="1026" name="Picture 2"/>
+          <p:cNvPicPr>
+            <a:picLocks noChangeAspect="1" noChangeArrowheads="1"/>
+          </p:cNvPicPr>
+          <p:nvPr/>
+        </p:nvPicPr>
+        <p:blipFill>
+          <a:blip r:embed="rId4"/>
+          <a:srcRect/>
+          <a:stretch>
+            <a:fillRect/>
+          </a:stretch>
+        </p:blipFill>
+        <p:spPr bwMode="auto">
+          <a:xfrm>
+            <a:off x="152612" y="788550"/>
+            <a:ext cx="3634076" cy="5606860"/>
+          </a:xfrm>
+          <a:prstGeom prst="rect">
+            <a:avLst/>
+          </a:prstGeom>
+          <a:noFill/>
+          <a:ln w="9525">
+            <a:solidFill>
+              <a:srgbClr val="4D78CC"/>
+            </a:solidFill>
+            <a:miter lim="800000"/>
+            <a:headEnd/>
+            <a:tailEnd/>
+          </a:ln>
+        </p:spPr>
+      </p:pic>
+      <p:pic>
+        <p:nvPicPr>
+          <p:cNvPr id="1028" name="Picture 4"/>
           <p:cNvPicPr>
             <a:picLocks noChangeAspect="1" noChangeArrowheads="1"/>
           </p:cNvPicPr>
@@ -6754,8 +6709,8 @@
         </p:blipFill>
         <p:spPr bwMode="auto">
           <a:xfrm>
-            <a:off x="152612" y="788550"/>
-            <a:ext cx="3634076" cy="5606860"/>
+            <a:off x="4669590" y="4781376"/>
+            <a:ext cx="7000875" cy="771525"/>
           </a:xfrm>
           <a:prstGeom prst="rect">
             <a:avLst/>
@@ -6771,9 +6726,92 @@
           </a:ln>
         </p:spPr>
       </p:pic>
+      <p:cxnSp>
+        <p:nvCxnSpPr>
+          <p:cNvPr id="35" name="Straight Arrow Connector 34"/>
+          <p:cNvCxnSpPr/>
+          <p:nvPr/>
+        </p:nvCxnSpPr>
+        <p:spPr>
+          <a:xfrm flipH="1">
+            <a:off x="5970363" y="1075138"/>
+            <a:ext cx="613472" cy="0"/>
+          </a:xfrm>
+          <a:prstGeom prst="straightConnector1">
+            <a:avLst/>
+          </a:prstGeom>
+          <a:ln w="38100">
+            <a:solidFill>
+              <a:srgbClr val="FFFF00"/>
+            </a:solidFill>
+            <a:headEnd type="triangle"/>
+            <a:tailEnd type="none"/>
+          </a:ln>
+        </p:spPr>
+        <p:style>
+          <a:lnRef idx="1">
+            <a:schemeClr val="accent1"/>
+          </a:lnRef>
+          <a:fillRef idx="0">
+            <a:schemeClr val="accent1"/>
+          </a:fillRef>
+          <a:effectRef idx="0">
+            <a:schemeClr val="accent1"/>
+          </a:effectRef>
+          <a:fontRef idx="minor">
+            <a:schemeClr val="tx1"/>
+          </a:fontRef>
+        </p:style>
+      </p:cxnSp>
+      <p:sp>
+        <p:nvSpPr>
+          <p:cNvPr id="38" name="Rectangle 37"/>
+          <p:cNvSpPr/>
+          <p:nvPr/>
+        </p:nvSpPr>
+        <p:spPr>
+          <a:xfrm>
+            <a:off x="4967959" y="5289982"/>
+            <a:ext cx="2011555" cy="262919"/>
+          </a:xfrm>
+          <a:prstGeom prst="rect">
+            <a:avLst/>
+          </a:prstGeom>
+          <a:noFill/>
+          <a:ln>
+            <a:solidFill>
+              <a:srgbClr val="FFFF00"/>
+            </a:solidFill>
+          </a:ln>
+        </p:spPr>
+        <p:style>
+          <a:lnRef idx="2">
+            <a:schemeClr val="accent1">
+              <a:shade val="50000"/>
+            </a:schemeClr>
+          </a:lnRef>
+          <a:fillRef idx="1">
+            <a:schemeClr val="accent1"/>
+          </a:fillRef>
+          <a:effectRef idx="0">
+            <a:schemeClr val="accent1"/>
+          </a:effectRef>
+          <a:fontRef idx="minor">
+            <a:schemeClr val="lt1"/>
+          </a:fontRef>
+        </p:style>
+        <p:txBody>
+          <a:bodyPr rtlCol="0" anchor="ctr"/>
+          <a:lstStyle/>
+          <a:p>
+            <a:pPr algn="ctr"/>
+            <a:endParaRPr lang="en-CA"/>
+          </a:p>
+        </p:txBody>
+      </p:sp>
       <p:pic>
         <p:nvPicPr>
-          <p:cNvPr id="1028" name="Picture 4"/>
+          <p:cNvPr id="1030" name="Picture 6"/>
           <p:cNvPicPr>
             <a:picLocks noChangeAspect="1" noChangeArrowheads="1"/>
           </p:cNvPicPr>
@@ -6788,123 +6826,6 @@
         </p:blipFill>
         <p:spPr bwMode="auto">
           <a:xfrm>
-            <a:off x="4669590" y="4781376"/>
-            <a:ext cx="7000875" cy="771525"/>
-          </a:xfrm>
-          <a:prstGeom prst="rect">
-            <a:avLst/>
-          </a:prstGeom>
-          <a:noFill/>
-          <a:ln w="9525">
-            <a:solidFill>
-              <a:srgbClr val="4D78CC"/>
-            </a:solidFill>
-            <a:miter lim="800000"/>
-            <a:headEnd/>
-            <a:tailEnd/>
-          </a:ln>
-        </p:spPr>
-      </p:pic>
-      <p:cxnSp>
-        <p:nvCxnSpPr>
-          <p:cNvPr id="35" name="Straight Arrow Connector 34"/>
-          <p:cNvCxnSpPr/>
-          <p:nvPr/>
-        </p:nvCxnSpPr>
-        <p:spPr>
-          <a:xfrm flipH="1">
-            <a:off x="5970363" y="1075138"/>
-            <a:ext cx="613472" cy="0"/>
-          </a:xfrm>
-          <a:prstGeom prst="straightConnector1">
-            <a:avLst/>
-          </a:prstGeom>
-          <a:ln w="38100">
-            <a:solidFill>
-              <a:srgbClr val="FFFF00"/>
-            </a:solidFill>
-            <a:headEnd type="triangle"/>
-            <a:tailEnd type="none"/>
-          </a:ln>
-        </p:spPr>
-        <p:style>
-          <a:lnRef idx="1">
-            <a:schemeClr val="accent1"/>
-          </a:lnRef>
-          <a:fillRef idx="0">
-            <a:schemeClr val="accent1"/>
-          </a:fillRef>
-          <a:effectRef idx="0">
-            <a:schemeClr val="accent1"/>
-          </a:effectRef>
-          <a:fontRef idx="minor">
-            <a:schemeClr val="tx1"/>
-          </a:fontRef>
-        </p:style>
-      </p:cxnSp>
-      <p:sp>
-        <p:nvSpPr>
-          <p:cNvPr id="38" name="Rectangle 37"/>
-          <p:cNvSpPr/>
-          <p:nvPr/>
-        </p:nvSpPr>
-        <p:spPr>
-          <a:xfrm>
-            <a:off x="4967959" y="5289982"/>
-            <a:ext cx="2011555" cy="262919"/>
-          </a:xfrm>
-          <a:prstGeom prst="rect">
-            <a:avLst/>
-          </a:prstGeom>
-          <a:noFill/>
-          <a:ln>
-            <a:solidFill>
-              <a:srgbClr val="FFFF00"/>
-            </a:solidFill>
-          </a:ln>
-        </p:spPr>
-        <p:style>
-          <a:lnRef idx="2">
-            <a:schemeClr val="accent1">
-              <a:shade val="50000"/>
-            </a:schemeClr>
-          </a:lnRef>
-          <a:fillRef idx="1">
-            <a:schemeClr val="accent1"/>
-          </a:fillRef>
-          <a:effectRef idx="0">
-            <a:schemeClr val="accent1"/>
-          </a:effectRef>
-          <a:fontRef idx="minor">
-            <a:schemeClr val="lt1"/>
-          </a:fontRef>
-        </p:style>
-        <p:txBody>
-          <a:bodyPr rtlCol="0" anchor="ctr"/>
-          <a:lstStyle/>
-          <a:p>
-            <a:pPr algn="ctr"/>
-            <a:endParaRPr lang="en-CA"/>
-          </a:p>
-        </p:txBody>
-      </p:sp>
-      <p:pic>
-        <p:nvPicPr>
-          <p:cNvPr id="1030" name="Picture 6"/>
-          <p:cNvPicPr>
-            <a:picLocks noChangeAspect="1" noChangeArrowheads="1"/>
-          </p:cNvPicPr>
-          <p:nvPr/>
-        </p:nvPicPr>
-        <p:blipFill>
-          <a:blip r:embed="rId7"/>
-          <a:srcRect/>
-          <a:stretch>
-            <a:fillRect/>
-          </a:stretch>
-        </p:blipFill>
-        <p:spPr bwMode="auto">
-          <a:xfrm>
             <a:off x="4669590" y="3988215"/>
             <a:ext cx="6830347" cy="500130"/>
           </a:xfrm>
@@ -7155,7 +7076,7 @@
           <p:nvPr/>
         </p:nvPicPr>
         <p:blipFill>
-          <a:blip r:embed="rId8"/>
+          <a:blip r:embed="rId7"/>
           <a:srcRect/>
           <a:stretch>
             <a:fillRect/>
@@ -7205,36 +7126,6 @@
           <a:chExt cx="0" cy="0"/>
         </a:xfrm>
       </p:grpSpPr>
-      <p:pic>
-        <p:nvPicPr>
-          <p:cNvPr id="2" name="Picture 1"/>
-          <p:cNvPicPr>
-            <a:picLocks noChangeAspect="1"/>
-          </p:cNvPicPr>
-          <p:nvPr/>
-        </p:nvPicPr>
-        <p:blipFill rotWithShape="1">
-          <a:blip r:embed="rId2">
-            <a:alphaModFix/>
-            <a:extLst>
-              <a:ext uri="{28A0092B-C50C-407E-A947-70E740481C1C}">
-                <a14:useLocalDpi xmlns:a14="http://schemas.microsoft.com/office/drawing/2010/main" xmlns="" val="0"/>
-              </a:ext>
-            </a:extLst>
-          </a:blip>
-          <a:srcRect b="2174"/>
-          <a:stretch/>
-        </p:blipFill>
-        <p:spPr>
-          <a:xfrm>
-            <a:off x="20" y="11704"/>
-            <a:ext cx="12191980" cy="6857999"/>
-          </a:xfrm>
-          <a:prstGeom prst="rect">
-            <a:avLst/>
-          </a:prstGeom>
-        </p:spPr>
-      </p:pic>
       <p:sp>
         <p:nvSpPr>
           <p:cNvPr id="15" name="Rectangle 14"/>
@@ -7292,10 +7183,10 @@
           <p:nvPr/>
         </p:nvPicPr>
         <p:blipFill>
-          <a:blip r:embed="rId3">
+          <a:blip r:embed="rId2">
             <a:extLst>
               <a:ext uri="{28A0092B-C50C-407E-A947-70E740481C1C}">
-                <a14:useLocalDpi xmlns:a14="http://schemas.microsoft.com/office/drawing/2010/main" xmlns="" val="0"/>
+                <a14:useLocalDpi xmlns:a14="http://schemas.microsoft.com/office/drawing/2010/main" val="0"/>
               </a:ext>
             </a:extLst>
           </a:blip>
@@ -7855,7 +7746,7 @@
           <p:nvPr/>
         </p:nvPicPr>
         <p:blipFill>
-          <a:blip r:embed="rId4"/>
+          <a:blip r:embed="rId3"/>
           <a:stretch>
             <a:fillRect/>
           </a:stretch>
@@ -7879,7 +7770,7 @@
           <p:nvPr/>
         </p:nvPicPr>
         <p:blipFill>
-          <a:blip r:embed="rId5"/>
+          <a:blip r:embed="rId4"/>
           <a:srcRect/>
           <a:stretch>
             <a:fillRect/>
@@ -7913,7 +7804,7 @@
           <p:nvPr/>
         </p:nvPicPr>
         <p:blipFill>
-          <a:blip r:embed="rId6"/>
+          <a:blip r:embed="rId5"/>
           <a:srcRect/>
           <a:stretch>
             <a:fillRect/>
@@ -8349,36 +8240,6 @@
           <a:chExt cx="0" cy="0"/>
         </a:xfrm>
       </p:grpSpPr>
-      <p:pic>
-        <p:nvPicPr>
-          <p:cNvPr id="2" name="Picture 1"/>
-          <p:cNvPicPr>
-            <a:picLocks noChangeAspect="1"/>
-          </p:cNvPicPr>
-          <p:nvPr/>
-        </p:nvPicPr>
-        <p:blipFill rotWithShape="1">
-          <a:blip r:embed="rId2">
-            <a:alphaModFix/>
-            <a:extLst>
-              <a:ext uri="{28A0092B-C50C-407E-A947-70E740481C1C}">
-                <a14:useLocalDpi xmlns:a14="http://schemas.microsoft.com/office/drawing/2010/main" xmlns="" val="0"/>
-              </a:ext>
-            </a:extLst>
-          </a:blip>
-          <a:srcRect b="2174"/>
-          <a:stretch/>
-        </p:blipFill>
-        <p:spPr>
-          <a:xfrm>
-            <a:off x="20" y="11704"/>
-            <a:ext cx="12191980" cy="6857999"/>
-          </a:xfrm>
-          <a:prstGeom prst="rect">
-            <a:avLst/>
-          </a:prstGeom>
-        </p:spPr>
-      </p:pic>
       <p:sp>
         <p:nvSpPr>
           <p:cNvPr id="15" name="Rectangle 14"/>
@@ -8436,7 +8297,7 @@
           <p:nvPr/>
         </p:nvPicPr>
         <p:blipFill>
-          <a:blip r:embed="rId3"/>
+          <a:blip r:embed="rId2"/>
           <a:srcRect/>
           <a:stretch>
             <a:fillRect/>
@@ -8605,7 +8466,7 @@
           <p:nvPr/>
         </p:nvPicPr>
         <p:blipFill>
-          <a:blip r:embed="rId4"/>
+          <a:blip r:embed="rId3"/>
           <a:srcRect/>
           <a:stretch>
             <a:fillRect/>
@@ -8685,7 +8546,7 @@
           <p:nvPr/>
         </p:nvPicPr>
         <p:blipFill>
-          <a:blip r:embed="rId5"/>
+          <a:blip r:embed="rId4"/>
           <a:srcRect/>
           <a:stretch>
             <a:fillRect/>
@@ -8909,36 +8770,6 @@
           <a:chExt cx="0" cy="0"/>
         </a:xfrm>
       </p:grpSpPr>
-      <p:pic>
-        <p:nvPicPr>
-          <p:cNvPr id="2" name="Picture 1"/>
-          <p:cNvPicPr>
-            <a:picLocks noChangeAspect="1"/>
-          </p:cNvPicPr>
-          <p:nvPr/>
-        </p:nvPicPr>
-        <p:blipFill rotWithShape="1">
-          <a:blip r:embed="rId2">
-            <a:alphaModFix/>
-            <a:extLst>
-              <a:ext uri="{28A0092B-C50C-407E-A947-70E740481C1C}">
-                <a14:useLocalDpi xmlns:a14="http://schemas.microsoft.com/office/drawing/2010/main" xmlns="" val="0"/>
-              </a:ext>
-            </a:extLst>
-          </a:blip>
-          <a:srcRect b="2174"/>
-          <a:stretch/>
-        </p:blipFill>
-        <p:spPr>
-          <a:xfrm>
-            <a:off x="20" y="11704"/>
-            <a:ext cx="12191980" cy="6857999"/>
-          </a:xfrm>
-          <a:prstGeom prst="rect">
-            <a:avLst/>
-          </a:prstGeom>
-        </p:spPr>
-      </p:pic>
       <p:sp>
         <p:nvSpPr>
           <p:cNvPr id="15" name="Rectangle 14"/>
@@ -8996,7 +8827,7 @@
           <p:nvPr/>
         </p:nvPicPr>
         <p:blipFill>
-          <a:blip r:embed="rId3"/>
+          <a:blip r:embed="rId2"/>
           <a:srcRect/>
           <a:stretch>
             <a:fillRect/>
@@ -9076,7 +8907,7 @@
           <p:nvPr/>
         </p:nvPicPr>
         <p:blipFill>
-          <a:blip r:embed="rId4"/>
+          <a:blip r:embed="rId3"/>
           <a:srcRect/>
           <a:stretch>
             <a:fillRect/>
@@ -9271,7 +9102,7 @@
           <p:nvPr/>
         </p:nvPicPr>
         <p:blipFill>
-          <a:blip r:embed="rId5"/>
+          <a:blip r:embed="rId4"/>
           <a:srcRect/>
           <a:stretch>
             <a:fillRect/>
@@ -9319,36 +9150,6 @@
           <a:chExt cx="0" cy="0"/>
         </a:xfrm>
       </p:grpSpPr>
-      <p:pic>
-        <p:nvPicPr>
-          <p:cNvPr id="2" name="Picture 1"/>
-          <p:cNvPicPr>
-            <a:picLocks noChangeAspect="1"/>
-          </p:cNvPicPr>
-          <p:nvPr/>
-        </p:nvPicPr>
-        <p:blipFill rotWithShape="1">
-          <a:blip r:embed="rId2">
-            <a:alphaModFix/>
-            <a:extLst>
-              <a:ext uri="{28A0092B-C50C-407E-A947-70E740481C1C}">
-                <a14:useLocalDpi xmlns:a14="http://schemas.microsoft.com/office/drawing/2010/main" xmlns="" val="0"/>
-              </a:ext>
-            </a:extLst>
-          </a:blip>
-          <a:srcRect b="2174"/>
-          <a:stretch/>
-        </p:blipFill>
-        <p:spPr>
-          <a:xfrm>
-            <a:off x="20" y="11704"/>
-            <a:ext cx="12191980" cy="6857999"/>
-          </a:xfrm>
-          <a:prstGeom prst="rect">
-            <a:avLst/>
-          </a:prstGeom>
-        </p:spPr>
-      </p:pic>
       <p:sp>
         <p:nvSpPr>
           <p:cNvPr id="15" name="Rectangle 14"/>
@@ -9406,7 +9207,7 @@
           <p:nvPr/>
         </p:nvPicPr>
         <p:blipFill>
-          <a:blip r:embed="rId3"/>
+          <a:blip r:embed="rId2"/>
           <a:srcRect/>
           <a:stretch>
             <a:fillRect/>
@@ -9486,7 +9287,7 @@
           <p:nvPr/>
         </p:nvPicPr>
         <p:blipFill>
-          <a:blip r:embed="rId4"/>
+          <a:blip r:embed="rId3"/>
           <a:srcRect/>
           <a:stretch>
             <a:fillRect/>
@@ -9630,7 +9431,7 @@
           <p:nvPr/>
         </p:nvPicPr>
         <p:blipFill>
-          <a:blip r:embed="rId5"/>
+          <a:blip r:embed="rId4"/>
           <a:srcRect/>
           <a:stretch>
             <a:fillRect/>
@@ -9662,7 +9463,7 @@
           <p:nvPr/>
         </p:nvPicPr>
         <p:blipFill>
-          <a:blip r:embed="rId6"/>
+          <a:blip r:embed="rId5"/>
           <a:srcRect/>
           <a:stretch>
             <a:fillRect/>
@@ -9876,7 +9677,7 @@
           <p:nvPr/>
         </p:nvPicPr>
         <p:blipFill>
-          <a:blip r:embed="rId7"/>
+          <a:blip r:embed="rId6"/>
           <a:srcRect/>
           <a:stretch>
             <a:fillRect/>
@@ -9931,36 +9732,6 @@
           <a:chExt cx="0" cy="0"/>
         </a:xfrm>
       </p:grpSpPr>
-      <p:pic>
-        <p:nvPicPr>
-          <p:cNvPr id="2" name="Picture 1"/>
-          <p:cNvPicPr>
-            <a:picLocks noChangeAspect="1"/>
-          </p:cNvPicPr>
-          <p:nvPr/>
-        </p:nvPicPr>
-        <p:blipFill rotWithShape="1">
-          <a:blip r:embed="rId2">
-            <a:alphaModFix/>
-            <a:extLst>
-              <a:ext uri="{28A0092B-C50C-407E-A947-70E740481C1C}">
-                <a14:useLocalDpi xmlns:a14="http://schemas.microsoft.com/office/drawing/2010/main" xmlns="" val="0"/>
-              </a:ext>
-            </a:extLst>
-          </a:blip>
-          <a:srcRect b="2174"/>
-          <a:stretch/>
-        </p:blipFill>
-        <p:spPr>
-          <a:xfrm>
-            <a:off x="20" y="11704"/>
-            <a:ext cx="12191980" cy="6857999"/>
-          </a:xfrm>
-          <a:prstGeom prst="rect">
-            <a:avLst/>
-          </a:prstGeom>
-        </p:spPr>
-      </p:pic>
       <p:sp>
         <p:nvSpPr>
           <p:cNvPr id="15" name="Rectangle 14"/>
@@ -10018,7 +9789,7 @@
           <p:nvPr/>
         </p:nvPicPr>
         <p:blipFill>
-          <a:blip r:embed="rId3"/>
+          <a:blip r:embed="rId2"/>
           <a:srcRect/>
           <a:stretch>
             <a:fillRect/>
@@ -10098,7 +9869,7 @@
           <p:nvPr/>
         </p:nvPicPr>
         <p:blipFill>
-          <a:blip r:embed="rId4"/>
+          <a:blip r:embed="rId3"/>
           <a:srcRect/>
           <a:stretch>
             <a:fillRect/>
@@ -10338,7 +10109,7 @@
           <p:nvPr/>
         </p:nvPicPr>
         <p:blipFill>
-          <a:blip r:embed="rId5"/>
+          <a:blip r:embed="rId4"/>
           <a:srcRect/>
           <a:stretch>
             <a:fillRect/>
@@ -10701,7 +10472,7 @@
   <a:extraClrSchemeLst/>
   <a:extLst>
     <a:ext uri="{05A4C25C-085E-4340-85A3-A5531E510DB2}">
-      <thm15:themeFamily xmlns:thm15="http://schemas.microsoft.com/office/thememl/2012/main" xmlns="" name="Office Theme" id="{62F939B6-93AF-4DB8-9C6B-D6C7DFDC589F}" vid="{3E4F19A7-A959-40BB-972C-4880BAF8EB09}"/>
+      <thm15:themeFamily xmlns:thm15="http://schemas.microsoft.com/office/thememl/2012/main" name="Office Theme" id="{62F939B6-93AF-4DB8-9C6B-D6C7DFDC589F}" vid="{3E4F19A7-A959-40BB-972C-4880BAF8EB09}"/>
     </a:ext>
   </a:extLst>
 </a:theme>
@@ -10962,7 +10733,7 @@
   <a:extraClrSchemeLst/>
   <a:extLst>
     <a:ext uri="{05A4C25C-085E-4340-85A3-A5531E510DB2}">
-      <thm15:themeFamily xmlns:thm15="http://schemas.microsoft.com/office/thememl/2012/main" xmlns="" name="Office Theme" id="{62F939B6-93AF-4DB8-9C6B-D6C7DFDC589F}" vid="{4A3C46E8-61CC-4603-A589-7422A47A8E4A}"/>
+      <thm15:themeFamily xmlns:thm15="http://schemas.microsoft.com/office/thememl/2012/main" name="Office Theme" id="{62F939B6-93AF-4DB8-9C6B-D6C7DFDC589F}" vid="{4A3C46E8-61CC-4603-A589-7422A47A8E4A}"/>
     </a:ext>
   </a:extLst>
 </a:theme>

--- a/lectures/00-Big-Picture.pptx
+++ b/lectures/00-Big-Picture.pptx
@@ -216,7 +216,7 @@
             <a:fld id="{C97B56FC-7D2E-F343-9D09-0D14B00AA564}" type="datetimeFigureOut">
               <a:rPr lang="en-US" smtClean="0"/>
               <a:pPr/>
-              <a:t>1/29/21</a:t>
+              <a:t>2/5/21</a:t>
             </a:fld>
             <a:endParaRPr lang="en-US"/>
           </a:p>
@@ -617,7 +617,7 @@
             <a:fld id="{EEE7C04C-7AF8-1445-A186-502B631B934F}" type="datetimeFigureOut">
               <a:rPr lang="en-US" smtClean="0"/>
               <a:pPr/>
-              <a:t>1/29/21</a:t>
+              <a:t>2/5/21</a:t>
             </a:fld>
             <a:endParaRPr lang="en-US"/>
           </a:p>
@@ -784,7 +784,7 @@
             <a:fld id="{EEE7C04C-7AF8-1445-A186-502B631B934F}" type="datetimeFigureOut">
               <a:rPr lang="en-US" smtClean="0"/>
               <a:pPr/>
-              <a:t>1/29/21</a:t>
+              <a:t>2/5/21</a:t>
             </a:fld>
             <a:endParaRPr lang="en-US"/>
           </a:p>
@@ -961,7 +961,7 @@
             <a:fld id="{EEE7C04C-7AF8-1445-A186-502B631B934F}" type="datetimeFigureOut">
               <a:rPr lang="en-US" smtClean="0"/>
               <a:pPr/>
-              <a:t>1/29/21</a:t>
+              <a:t>2/5/21</a:t>
             </a:fld>
             <a:endParaRPr lang="en-US"/>
           </a:p>
@@ -1128,7 +1128,7 @@
             <a:fld id="{EEE7C04C-7AF8-1445-A186-502B631B934F}" type="datetimeFigureOut">
               <a:rPr lang="en-US" smtClean="0"/>
               <a:pPr/>
-              <a:t>1/29/21</a:t>
+              <a:t>2/5/21</a:t>
             </a:fld>
             <a:endParaRPr lang="en-US"/>
           </a:p>
@@ -1371,7 +1371,7 @@
             <a:fld id="{EEE7C04C-7AF8-1445-A186-502B631B934F}" type="datetimeFigureOut">
               <a:rPr lang="en-US" smtClean="0"/>
               <a:pPr/>
-              <a:t>1/29/21</a:t>
+              <a:t>2/5/21</a:t>
             </a:fld>
             <a:endParaRPr lang="en-US"/>
           </a:p>
@@ -1600,7 +1600,7 @@
             <a:fld id="{EEE7C04C-7AF8-1445-A186-502B631B934F}" type="datetimeFigureOut">
               <a:rPr lang="en-US" smtClean="0"/>
               <a:pPr/>
-              <a:t>1/29/21</a:t>
+              <a:t>2/5/21</a:t>
             </a:fld>
             <a:endParaRPr lang="en-US"/>
           </a:p>
@@ -1964,7 +1964,7 @@
             <a:fld id="{EEE7C04C-7AF8-1445-A186-502B631B934F}" type="datetimeFigureOut">
               <a:rPr lang="en-US" smtClean="0"/>
               <a:pPr/>
-              <a:t>1/29/21</a:t>
+              <a:t>2/5/21</a:t>
             </a:fld>
             <a:endParaRPr lang="en-US"/>
           </a:p>
@@ -2079,7 +2079,7 @@
             <a:fld id="{EEE7C04C-7AF8-1445-A186-502B631B934F}" type="datetimeFigureOut">
               <a:rPr lang="en-US" smtClean="0"/>
               <a:pPr/>
-              <a:t>1/29/21</a:t>
+              <a:t>2/5/21</a:t>
             </a:fld>
             <a:endParaRPr lang="en-US"/>
           </a:p>
@@ -2171,7 +2171,7 @@
             <a:fld id="{EEE7C04C-7AF8-1445-A186-502B631B934F}" type="datetimeFigureOut">
               <a:rPr lang="en-US" smtClean="0"/>
               <a:pPr/>
-              <a:t>1/29/21</a:t>
+              <a:t>2/5/21</a:t>
             </a:fld>
             <a:endParaRPr lang="en-US"/>
           </a:p>
@@ -2445,7 +2445,7 @@
             <a:fld id="{EEE7C04C-7AF8-1445-A186-502B631B934F}" type="datetimeFigureOut">
               <a:rPr lang="en-US" smtClean="0"/>
               <a:pPr/>
-              <a:t>1/29/21</a:t>
+              <a:t>2/5/21</a:t>
             </a:fld>
             <a:endParaRPr lang="en-US"/>
           </a:p>
@@ -2699,7 +2699,7 @@
             <a:fld id="{EEE7C04C-7AF8-1445-A186-502B631B934F}" type="datetimeFigureOut">
               <a:rPr lang="en-US" smtClean="0"/>
               <a:pPr/>
-              <a:t>1/29/21</a:t>
+              <a:t>2/5/21</a:t>
             </a:fld>
             <a:endParaRPr lang="en-US"/>
           </a:p>
@@ -2909,7 +2909,7 @@
             <a:fld id="{EEE7C04C-7AF8-1445-A186-502B631B934F}" type="datetimeFigureOut">
               <a:rPr lang="en-US" smtClean="0"/>
               <a:pPr/>
-              <a:t>1/29/21</a:t>
+              <a:t>2/5/21</a:t>
             </a:fld>
             <a:endParaRPr lang="en-US"/>
           </a:p>
@@ -3324,7 +3324,7 @@
         <p:spPr>
           <a:xfrm>
             <a:off x="4733342" y="278098"/>
-            <a:ext cx="7215642" cy="6347791"/>
+            <a:ext cx="6682371" cy="6347791"/>
           </a:xfrm>
           <a:prstGeom prst="rect">
             <a:avLst/>
@@ -3421,7 +3421,7 @@
         </p:nvSpPr>
         <p:spPr>
           <a:xfrm>
-            <a:off x="5987216" y="870579"/>
+            <a:off x="5329984" y="870579"/>
             <a:ext cx="5702276" cy="5548575"/>
           </a:xfrm>
           <a:prstGeom prst="rect">
@@ -3473,7 +3473,7 @@
         </p:nvSpPr>
         <p:spPr>
           <a:xfrm>
-            <a:off x="5987216" y="404858"/>
+            <a:off x="5329984" y="404858"/>
             <a:ext cx="1295291" cy="369332"/>
           </a:xfrm>
           <a:prstGeom prst="rect">
@@ -3505,7 +3505,7 @@
         </p:nvSpPr>
         <p:spPr>
           <a:xfrm>
-            <a:off x="6347167" y="1101696"/>
+            <a:off x="5689935" y="1101696"/>
             <a:ext cx="1086678" cy="1033669"/>
           </a:xfrm>
           <a:prstGeom prst="roundRect">
@@ -3558,7 +3558,7 @@
         </p:nvSpPr>
         <p:spPr>
           <a:xfrm>
-            <a:off x="6347167" y="2675805"/>
+            <a:off x="5689935" y="2675805"/>
             <a:ext cx="1086678" cy="1033669"/>
           </a:xfrm>
           <a:prstGeom prst="roundRect">
@@ -3611,7 +3611,7 @@
         </p:nvSpPr>
         <p:spPr>
           <a:xfrm>
-            <a:off x="9813128" y="4173528"/>
+            <a:off x="9155896" y="4173528"/>
             <a:ext cx="1577009" cy="646266"/>
           </a:xfrm>
           <a:prstGeom prst="can">
@@ -3658,7 +3658,7 @@
         </p:nvSpPr>
         <p:spPr>
           <a:xfrm>
-            <a:off x="10090027" y="2904193"/>
+            <a:off x="9432795" y="2904193"/>
             <a:ext cx="1367113" cy="516836"/>
           </a:xfrm>
           <a:prstGeom prst="roundRect">
@@ -3700,7 +3700,7 @@
         </p:nvSpPr>
         <p:spPr>
           <a:xfrm>
-            <a:off x="7933975" y="404637"/>
+            <a:off x="7276743" y="404637"/>
             <a:ext cx="1603514" cy="369554"/>
           </a:xfrm>
           <a:prstGeom prst="roundRect">
@@ -3742,7 +3742,7 @@
         </p:nvCxnSpPr>
         <p:spPr>
           <a:xfrm flipH="1">
-            <a:off x="7208365" y="589414"/>
+            <a:off x="6551133" y="589414"/>
             <a:ext cx="725611" cy="110"/>
           </a:xfrm>
           <a:prstGeom prst="straightConnector1">
@@ -3770,89 +3770,6 @@
           </a:fontRef>
         </p:style>
       </p:cxnSp>
-      <p:sp>
-        <p:nvSpPr>
-          <p:cNvPr id="23" name="Rectangle 22"/>
-          <p:cNvSpPr/>
-          <p:nvPr/>
-        </p:nvSpPr>
-        <p:spPr>
-          <a:xfrm>
-            <a:off x="4999929" y="404637"/>
-            <a:ext cx="516835" cy="6105958"/>
-          </a:xfrm>
-          <a:prstGeom prst="rect">
-            <a:avLst/>
-          </a:prstGeom>
-          <a:solidFill>
-            <a:srgbClr val="002060"/>
-          </a:solidFill>
-          <a:ln w="38100">
-            <a:solidFill>
-              <a:schemeClr val="bg1"/>
-            </a:solidFill>
-          </a:ln>
-        </p:spPr>
-        <p:style>
-          <a:lnRef idx="2">
-            <a:schemeClr val="accent1">
-              <a:shade val="50000"/>
-            </a:schemeClr>
-          </a:lnRef>
-          <a:fillRef idx="1">
-            <a:schemeClr val="accent1"/>
-          </a:fillRef>
-          <a:effectRef idx="0">
-            <a:schemeClr val="accent1"/>
-          </a:effectRef>
-          <a:fontRef idx="minor">
-            <a:schemeClr val="lt1"/>
-          </a:fontRef>
-        </p:style>
-        <p:txBody>
-          <a:bodyPr rtlCol="0" anchor="b"/>
-          <a:lstStyle/>
-          <a:p>
-            <a:pPr algn="ctr"/>
-            <a:r>
-              <a:rPr lang="en-US" dirty="0" smtClean="0"/>
-              <a:t>N</a:t>
-            </a:r>
-          </a:p>
-          <a:p>
-            <a:pPr algn="ctr"/>
-            <a:r>
-              <a:rPr lang="en-US" dirty="0" smtClean="0"/>
-              <a:t>G</a:t>
-            </a:r>
-          </a:p>
-          <a:p>
-            <a:pPr algn="ctr"/>
-            <a:r>
-              <a:rPr lang="en-US" dirty="0" smtClean="0"/>
-              <a:t>I</a:t>
-            </a:r>
-          </a:p>
-          <a:p>
-            <a:pPr algn="ctr"/>
-            <a:r>
-              <a:rPr lang="en-US" dirty="0" smtClean="0"/>
-              <a:t>N</a:t>
-            </a:r>
-            <a:br>
-              <a:rPr lang="en-US" dirty="0" smtClean="0"/>
-            </a:br>
-            <a:r>
-              <a:rPr lang="en-US" dirty="0" smtClean="0"/>
-              <a:t>X</a:t>
-            </a:r>
-          </a:p>
-          <a:p>
-            <a:pPr algn="ctr"/>
-            <a:endParaRPr lang="en-US" dirty="0"/>
-          </a:p>
-        </p:txBody>
-      </p:sp>
       <p:cxnSp>
         <p:nvCxnSpPr>
           <p:cNvPr id="28" name="Straight Arrow Connector 27"/>
@@ -3864,7 +3781,7 @@
         </p:nvCxnSpPr>
         <p:spPr>
           <a:xfrm flipH="1">
-            <a:off x="7433845" y="1610800"/>
+            <a:off x="6776613" y="1610800"/>
             <a:ext cx="1404867" cy="7731"/>
           </a:xfrm>
           <a:prstGeom prst="straightConnector1">
@@ -3903,7 +3820,7 @@
         </p:nvCxnSpPr>
         <p:spPr>
           <a:xfrm flipH="1">
-            <a:off x="7433845" y="2574964"/>
+            <a:off x="6776613" y="2574964"/>
             <a:ext cx="1025979" cy="617676"/>
           </a:xfrm>
           <a:prstGeom prst="straightConnector1">
@@ -3942,7 +3859,7 @@
         </p:nvCxnSpPr>
         <p:spPr>
           <a:xfrm flipH="1">
-            <a:off x="7433845" y="3162611"/>
+            <a:off x="6776613" y="3162611"/>
             <a:ext cx="2656182" cy="30029"/>
           </a:xfrm>
           <a:prstGeom prst="straightConnector1">
@@ -3981,7 +3898,7 @@
         </p:nvCxnSpPr>
         <p:spPr>
           <a:xfrm flipH="1" flipV="1">
-            <a:off x="7433845" y="3192640"/>
+            <a:off x="6776613" y="3192640"/>
             <a:ext cx="1025979" cy="523310"/>
           </a:xfrm>
           <a:prstGeom prst="straightConnector1">
@@ -4020,7 +3937,7 @@
         </p:nvCxnSpPr>
         <p:spPr>
           <a:xfrm flipH="1">
-            <a:off x="9207965" y="4496661"/>
+            <a:off x="8550733" y="4496661"/>
             <a:ext cx="605163" cy="435308"/>
           </a:xfrm>
           <a:prstGeom prst="straightConnector1">
@@ -4057,7 +3974,7 @@
         </p:nvSpPr>
         <p:spPr>
           <a:xfrm>
-            <a:off x="8838712" y="1385733"/>
+            <a:off x="8181480" y="1385733"/>
             <a:ext cx="1439996" cy="450133"/>
           </a:xfrm>
           <a:prstGeom prst="roundRect">
@@ -4099,7 +4016,7 @@
         </p:nvSpPr>
         <p:spPr>
           <a:xfrm>
-            <a:off x="8459824" y="2316546"/>
+            <a:off x="7802592" y="2316546"/>
             <a:ext cx="1308844" cy="516836"/>
           </a:xfrm>
           <a:prstGeom prst="roundRect">
@@ -4141,7 +4058,7 @@
         </p:nvSpPr>
         <p:spPr>
           <a:xfrm>
-            <a:off x="8459824" y="3465107"/>
+            <a:off x="7802592" y="3465107"/>
             <a:ext cx="1355820" cy="501686"/>
           </a:xfrm>
           <a:prstGeom prst="roundRect">
@@ -4183,7 +4100,7 @@
         </p:nvSpPr>
         <p:spPr>
           <a:xfrm>
-            <a:off x="8121287" y="4415134"/>
+            <a:off x="7464055" y="4415134"/>
             <a:ext cx="1086678" cy="1033669"/>
           </a:xfrm>
           <a:prstGeom prst="roundRect">
@@ -4239,7 +4156,7 @@
         </p:nvCxnSpPr>
         <p:spPr>
           <a:xfrm flipH="1" flipV="1">
-            <a:off x="9207965" y="4931969"/>
+            <a:off x="8550733" y="4931969"/>
             <a:ext cx="682363" cy="516834"/>
           </a:xfrm>
           <a:prstGeom prst="straightConnector1">
@@ -4277,7 +4194,7 @@
         </p:nvCxnSpPr>
         <p:spPr>
           <a:xfrm>
-            <a:off x="6890506" y="2135365"/>
+            <a:off x="6233274" y="2135365"/>
             <a:ext cx="0" cy="540440"/>
           </a:xfrm>
           <a:prstGeom prst="straightConnector1">
@@ -4316,7 +4233,7 @@
         </p:nvCxnSpPr>
         <p:spPr>
           <a:xfrm flipH="1" flipV="1">
-            <a:off x="6890506" y="3709474"/>
+            <a:off x="6233274" y="3709474"/>
             <a:ext cx="1774120" cy="705660"/>
           </a:xfrm>
           <a:prstGeom prst="straightConnector1">
@@ -4405,7 +4322,7 @@
         </p:nvSpPr>
         <p:spPr>
           <a:xfrm>
-            <a:off x="9890328" y="5197960"/>
+            <a:off x="9233096" y="5197960"/>
             <a:ext cx="1357391" cy="501686"/>
           </a:xfrm>
           <a:prstGeom prst="roundRect">
@@ -4663,7 +4580,7 @@
         </p:nvSpPr>
         <p:spPr>
           <a:xfrm>
-            <a:off x="8102028" y="5683135"/>
+            <a:off x="7444796" y="5683135"/>
             <a:ext cx="1319815" cy="501686"/>
           </a:xfrm>
           <a:prstGeom prst="roundRect">
@@ -4705,7 +4622,7 @@
         </p:nvSpPr>
         <p:spPr>
           <a:xfrm>
-            <a:off x="6396262" y="4400416"/>
+            <a:off x="5739030" y="4400416"/>
             <a:ext cx="1086678" cy="592481"/>
           </a:xfrm>
           <a:prstGeom prst="roundRect">
@@ -4755,7 +4672,7 @@
         </p:nvCxnSpPr>
         <p:spPr>
           <a:xfrm>
-            <a:off x="1337179" y="1543199"/>
+            <a:off x="679947" y="1543199"/>
             <a:ext cx="5009988" cy="75332"/>
           </a:xfrm>
           <a:prstGeom prst="straightConnector1">
@@ -4795,7 +4712,7 @@
         <p:spPr>
           <a:xfrm flipH="1" flipV="1">
             <a:off x="3319006" y="3177625"/>
-            <a:ext cx="3028161" cy="15015"/>
+            <a:ext cx="2370929" cy="15015"/>
           </a:xfrm>
           <a:prstGeom prst="straightConnector1">
             <a:avLst/>
@@ -4869,7 +4786,7 @@
         </p:nvSpPr>
         <p:spPr>
           <a:xfrm>
-            <a:off x="6428560" y="5430454"/>
+            <a:off x="5771328" y="5430454"/>
             <a:ext cx="1086678" cy="592481"/>
           </a:xfrm>
           <a:prstGeom prst="roundRect">
@@ -4920,7 +4837,7 @@
         </p:nvCxnSpPr>
         <p:spPr>
           <a:xfrm flipH="1" flipV="1">
-            <a:off x="7482940" y="4696657"/>
+            <a:off x="6825708" y="4696657"/>
             <a:ext cx="638347" cy="235312"/>
           </a:xfrm>
           <a:prstGeom prst="straightConnector1">
@@ -4959,7 +4876,7 @@
         </p:nvCxnSpPr>
         <p:spPr>
           <a:xfrm flipH="1">
-            <a:off x="7515238" y="4931969"/>
+            <a:off x="6858006" y="4931969"/>
             <a:ext cx="606049" cy="794726"/>
           </a:xfrm>
           <a:prstGeom prst="straightConnector1">
@@ -4999,7 +4916,7 @@
         </p:nvCxnSpPr>
         <p:spPr>
           <a:xfrm flipH="1" flipV="1">
-            <a:off x="7515238" y="5726695"/>
+            <a:off x="6858006" y="5726695"/>
             <a:ext cx="586790" cy="207283"/>
           </a:xfrm>
           <a:prstGeom prst="straightConnector1">
@@ -5038,7 +4955,7 @@
         </p:nvCxnSpPr>
         <p:spPr>
           <a:xfrm flipH="1">
-            <a:off x="9421843" y="5448803"/>
+            <a:off x="8764611" y="5448803"/>
             <a:ext cx="468485" cy="485175"/>
           </a:xfrm>
           <a:prstGeom prst="straightConnector1">

--- a/lectures/00-Big-Picture.pptx
+++ b/lectures/00-Big-Picture.pptx
@@ -3458,8 +3458,8 @@
           <a:p>
             <a:pPr algn="r"/>
             <a:r>
-              <a:rPr lang="en-US" dirty="0" err="1" smtClean="0"/>
-              <a:t>DJango</a:t>
+              <a:rPr lang="en-US" dirty="0" smtClean="0"/>
+              <a:t>Django</a:t>
             </a:r>
             <a:endParaRPr lang="en-US" dirty="0"/>
           </a:p>
@@ -4666,14 +4666,15 @@
         <p:nvCxnSpPr>
           <p:cNvPr id="43" name="Straight Arrow Connector 42"/>
           <p:cNvCxnSpPr>
+            <a:stCxn id="48" idx="3"/>
             <a:endCxn id="9" idx="1"/>
           </p:cNvCxnSpPr>
           <p:nvPr/>
         </p:nvCxnSpPr>
         <p:spPr>
           <a:xfrm>
-            <a:off x="679947" y="1543199"/>
-            <a:ext cx="5009988" cy="75332"/>
+            <a:off x="1373580" y="1521653"/>
+            <a:ext cx="4316355" cy="96878"/>
           </a:xfrm>
           <a:prstGeom prst="straightConnector1">
             <a:avLst/>
@@ -4993,7 +4994,7 @@
         </p:nvCxnSpPr>
         <p:spPr>
           <a:xfrm flipV="1">
-            <a:off x="691404" y="1668102"/>
+            <a:off x="683847" y="1657573"/>
             <a:ext cx="345527" cy="1384558"/>
           </a:xfrm>
           <a:prstGeom prst="straightConnector1">
@@ -5067,7 +5068,7 @@
         </p:nvSpPr>
         <p:spPr>
           <a:xfrm>
-            <a:off x="692725" y="1396262"/>
+            <a:off x="685168" y="1385733"/>
             <a:ext cx="688412" cy="271840"/>
           </a:xfrm>
           <a:prstGeom prst="roundRect">
@@ -5100,6 +5101,45 @@
           </a:p>
         </p:txBody>
       </p:sp>
+      <p:cxnSp>
+        <p:nvCxnSpPr>
+          <p:cNvPr id="52" name="Straight Arrow Connector 51"/>
+          <p:cNvCxnSpPr>
+            <a:stCxn id="76" idx="1"/>
+            <a:endCxn id="14" idx="2"/>
+          </p:cNvCxnSpPr>
+          <p:nvPr/>
+        </p:nvCxnSpPr>
+        <p:spPr>
+          <a:xfrm flipH="1" flipV="1">
+            <a:off x="8480502" y="3966793"/>
+            <a:ext cx="752594" cy="1482010"/>
+          </a:xfrm>
+          <a:prstGeom prst="straightConnector1">
+            <a:avLst/>
+          </a:prstGeom>
+          <a:ln w="38100">
+            <a:solidFill>
+              <a:schemeClr val="tx1"/>
+            </a:solidFill>
+            <a:tailEnd type="triangle"/>
+          </a:ln>
+        </p:spPr>
+        <p:style>
+          <a:lnRef idx="1">
+            <a:schemeClr val="accent1"/>
+          </a:lnRef>
+          <a:fillRef idx="0">
+            <a:schemeClr val="accent1"/>
+          </a:fillRef>
+          <a:effectRef idx="0">
+            <a:schemeClr val="accent1"/>
+          </a:effectRef>
+          <a:fontRef idx="minor">
+            <a:schemeClr val="tx1"/>
+          </a:fontRef>
+        </p:style>
+      </p:cxnSp>
     </p:spTree>
     <p:extLst>
       <p:ext uri="{BB962C8B-B14F-4D97-AF65-F5344CB8AC3E}">

--- a/lectures/00-Big-Picture.pptx
+++ b/lectures/00-Big-Picture.pptx
@@ -216,7 +216,7 @@
             <a:fld id="{C97B56FC-7D2E-F343-9D09-0D14B00AA564}" type="datetimeFigureOut">
               <a:rPr lang="en-US" smtClean="0"/>
               <a:pPr/>
-              <a:t>2/5/21</a:t>
+              <a:t>2/26/21</a:t>
             </a:fld>
             <a:endParaRPr lang="en-US"/>
           </a:p>
@@ -617,7 +617,7 @@
             <a:fld id="{EEE7C04C-7AF8-1445-A186-502B631B934F}" type="datetimeFigureOut">
               <a:rPr lang="en-US" smtClean="0"/>
               <a:pPr/>
-              <a:t>2/5/21</a:t>
+              <a:t>2/26/21</a:t>
             </a:fld>
             <a:endParaRPr lang="en-US"/>
           </a:p>
@@ -784,7 +784,7 @@
             <a:fld id="{EEE7C04C-7AF8-1445-A186-502B631B934F}" type="datetimeFigureOut">
               <a:rPr lang="en-US" smtClean="0"/>
               <a:pPr/>
-              <a:t>2/5/21</a:t>
+              <a:t>2/26/21</a:t>
             </a:fld>
             <a:endParaRPr lang="en-US"/>
           </a:p>
@@ -961,7 +961,7 @@
             <a:fld id="{EEE7C04C-7AF8-1445-A186-502B631B934F}" type="datetimeFigureOut">
               <a:rPr lang="en-US" smtClean="0"/>
               <a:pPr/>
-              <a:t>2/5/21</a:t>
+              <a:t>2/26/21</a:t>
             </a:fld>
             <a:endParaRPr lang="en-US"/>
           </a:p>
@@ -1128,7 +1128,7 @@
             <a:fld id="{EEE7C04C-7AF8-1445-A186-502B631B934F}" type="datetimeFigureOut">
               <a:rPr lang="en-US" smtClean="0"/>
               <a:pPr/>
-              <a:t>2/5/21</a:t>
+              <a:t>2/26/21</a:t>
             </a:fld>
             <a:endParaRPr lang="en-US"/>
           </a:p>
@@ -1371,7 +1371,7 @@
             <a:fld id="{EEE7C04C-7AF8-1445-A186-502B631B934F}" type="datetimeFigureOut">
               <a:rPr lang="en-US" smtClean="0"/>
               <a:pPr/>
-              <a:t>2/5/21</a:t>
+              <a:t>2/26/21</a:t>
             </a:fld>
             <a:endParaRPr lang="en-US"/>
           </a:p>
@@ -1600,7 +1600,7 @@
             <a:fld id="{EEE7C04C-7AF8-1445-A186-502B631B934F}" type="datetimeFigureOut">
               <a:rPr lang="en-US" smtClean="0"/>
               <a:pPr/>
-              <a:t>2/5/21</a:t>
+              <a:t>2/26/21</a:t>
             </a:fld>
             <a:endParaRPr lang="en-US"/>
           </a:p>
@@ -1964,7 +1964,7 @@
             <a:fld id="{EEE7C04C-7AF8-1445-A186-502B631B934F}" type="datetimeFigureOut">
               <a:rPr lang="en-US" smtClean="0"/>
               <a:pPr/>
-              <a:t>2/5/21</a:t>
+              <a:t>2/26/21</a:t>
             </a:fld>
             <a:endParaRPr lang="en-US"/>
           </a:p>
@@ -2079,7 +2079,7 @@
             <a:fld id="{EEE7C04C-7AF8-1445-A186-502B631B934F}" type="datetimeFigureOut">
               <a:rPr lang="en-US" smtClean="0"/>
               <a:pPr/>
-              <a:t>2/5/21</a:t>
+              <a:t>2/26/21</a:t>
             </a:fld>
             <a:endParaRPr lang="en-US"/>
           </a:p>
@@ -2171,7 +2171,7 @@
             <a:fld id="{EEE7C04C-7AF8-1445-A186-502B631B934F}" type="datetimeFigureOut">
               <a:rPr lang="en-US" smtClean="0"/>
               <a:pPr/>
-              <a:t>2/5/21</a:t>
+              <a:t>2/26/21</a:t>
             </a:fld>
             <a:endParaRPr lang="en-US"/>
           </a:p>
@@ -2445,7 +2445,7 @@
             <a:fld id="{EEE7C04C-7AF8-1445-A186-502B631B934F}" type="datetimeFigureOut">
               <a:rPr lang="en-US" smtClean="0"/>
               <a:pPr/>
-              <a:t>2/5/21</a:t>
+              <a:t>2/26/21</a:t>
             </a:fld>
             <a:endParaRPr lang="en-US"/>
           </a:p>
@@ -2699,7 +2699,7 @@
             <a:fld id="{EEE7C04C-7AF8-1445-A186-502B631B934F}" type="datetimeFigureOut">
               <a:rPr lang="en-US" smtClean="0"/>
               <a:pPr/>
-              <a:t>2/5/21</a:t>
+              <a:t>2/26/21</a:t>
             </a:fld>
             <a:endParaRPr lang="en-US"/>
           </a:p>
@@ -2909,7 +2909,7 @@
             <a:fld id="{EEE7C04C-7AF8-1445-A186-502B631B934F}" type="datetimeFigureOut">
               <a:rPr lang="en-US" smtClean="0"/>
               <a:pPr/>
-              <a:t>2/5/21</a:t>
+              <a:t>2/26/21</a:t>
             </a:fld>
             <a:endParaRPr lang="en-US"/>
           </a:p>
@@ -5114,6 +5114,83 @@
           <a:xfrm flipH="1" flipV="1">
             <a:off x="8480502" y="3966793"/>
             <a:ext cx="752594" cy="1482010"/>
+          </a:xfrm>
+          <a:prstGeom prst="straightConnector1">
+            <a:avLst/>
+          </a:prstGeom>
+          <a:ln w="38100">
+            <a:solidFill>
+              <a:schemeClr val="tx1"/>
+            </a:solidFill>
+            <a:tailEnd type="triangle"/>
+          </a:ln>
+        </p:spPr>
+        <p:style>
+          <a:lnRef idx="1">
+            <a:schemeClr val="accent1"/>
+          </a:lnRef>
+          <a:fillRef idx="0">
+            <a:schemeClr val="accent1"/>
+          </a:fillRef>
+          <a:effectRef idx="0">
+            <a:schemeClr val="accent1"/>
+          </a:effectRef>
+          <a:fontRef idx="minor">
+            <a:schemeClr val="tx1"/>
+          </a:fontRef>
+        </p:style>
+      </p:cxnSp>
+      <p:cxnSp>
+        <p:nvCxnSpPr>
+          <p:cNvPr id="53" name="Straight Arrow Connector 52"/>
+          <p:cNvCxnSpPr>
+            <a:stCxn id="14" idx="3"/>
+            <a:endCxn id="13" idx="2"/>
+          </p:cNvCxnSpPr>
+          <p:nvPr/>
+        </p:nvCxnSpPr>
+        <p:spPr>
+          <a:xfrm flipV="1">
+            <a:off x="9158412" y="3421029"/>
+            <a:ext cx="957940" cy="294921"/>
+          </a:xfrm>
+          <a:prstGeom prst="straightConnector1">
+            <a:avLst/>
+          </a:prstGeom>
+          <a:ln w="38100">
+            <a:solidFill>
+              <a:schemeClr val="tx1"/>
+            </a:solidFill>
+            <a:tailEnd type="triangle"/>
+          </a:ln>
+        </p:spPr>
+        <p:style>
+          <a:lnRef idx="1">
+            <a:schemeClr val="accent1"/>
+          </a:lnRef>
+          <a:fillRef idx="0">
+            <a:schemeClr val="accent1"/>
+          </a:fillRef>
+          <a:effectRef idx="0">
+            <a:schemeClr val="accent1"/>
+          </a:effectRef>
+          <a:fontRef idx="minor">
+            <a:schemeClr val="tx1"/>
+          </a:fontRef>
+        </p:style>
+      </p:cxnSp>
+      <p:cxnSp>
+        <p:nvCxnSpPr>
+          <p:cNvPr id="55" name="Straight Arrow Connector 54"/>
+          <p:cNvCxnSpPr>
+            <a:endCxn id="24" idx="2"/>
+          </p:cNvCxnSpPr>
+          <p:nvPr/>
+        </p:nvCxnSpPr>
+        <p:spPr>
+          <a:xfrm flipH="1" flipV="1">
+            <a:off x="8457014" y="2833382"/>
+            <a:ext cx="23488" cy="624234"/>
           </a:xfrm>
           <a:prstGeom prst="straightConnector1">
             <a:avLst/>

--- a/lectures/00-Big-Picture.pptx
+++ b/lectures/00-Big-Picture.pptx
@@ -5183,6 +5183,7 @@
         <p:nvCxnSpPr>
           <p:cNvPr id="55" name="Straight Arrow Connector 54"/>
           <p:cNvCxnSpPr>
+            <a:stCxn id="14" idx="0"/>
             <a:endCxn id="24" idx="2"/>
           </p:cNvCxnSpPr>
           <p:nvPr/>
@@ -5190,7 +5191,43 @@
         <p:spPr>
           <a:xfrm flipH="1" flipV="1">
             <a:off x="8457014" y="2833382"/>
-            <a:ext cx="23488" cy="624234"/>
+            <a:ext cx="23488" cy="631725"/>
+          </a:xfrm>
+          <a:prstGeom prst="straightConnector1">
+            <a:avLst/>
+          </a:prstGeom>
+          <a:ln w="38100">
+            <a:solidFill>
+              <a:schemeClr val="tx1"/>
+            </a:solidFill>
+            <a:tailEnd type="triangle"/>
+          </a:ln>
+        </p:spPr>
+        <p:style>
+          <a:lnRef idx="1">
+            <a:schemeClr val="accent1"/>
+          </a:lnRef>
+          <a:fillRef idx="0">
+            <a:schemeClr val="accent1"/>
+          </a:fillRef>
+          <a:effectRef idx="0">
+            <a:schemeClr val="accent1"/>
+          </a:effectRef>
+          <a:fontRef idx="minor">
+            <a:schemeClr val="tx1"/>
+          </a:fontRef>
+        </p:style>
+      </p:cxnSp>
+      <p:cxnSp>
+        <p:nvCxnSpPr>
+          <p:cNvPr id="57" name="Straight Arrow Connector 56"/>
+          <p:cNvCxnSpPr/>
+          <p:nvPr/>
+        </p:nvCxnSpPr>
+        <p:spPr>
+          <a:xfrm>
+            <a:off x="8480502" y="3966794"/>
+            <a:ext cx="630934" cy="529867"/>
           </a:xfrm>
           <a:prstGeom prst="straightConnector1">
             <a:avLst/>

--- a/lectures/00-Big-Picture.pptx
+++ b/lectures/00-Big-Picture.pptx
@@ -5200,6 +5200,7 @@
             <a:solidFill>
               <a:schemeClr val="tx1"/>
             </a:solidFill>
+            <a:headEnd type="triangle"/>
             <a:tailEnd type="triangle"/>
           </a:ln>
         </p:spPr>
